--- a/CHiMaD_Phase_FieldWSIII_Hackathon_FiPy.pptx
+++ b/CHiMaD_Phase_FieldWSIII_Hackathon_FiPy.pptx
@@ -13057,6 +13057,66 @@
           </a:p>
         </p:txBody>
       </p:sp>
+      <p:pic>
+        <p:nvPicPr>
+          <p:cNvPr id="5" name="Picture 4" descr="phase_5700dt.png"/>
+          <p:cNvPicPr>
+            <a:picLocks noChangeAspect="1"/>
+          </p:cNvPicPr>
+          <p:nvPr/>
+        </p:nvPicPr>
+        <p:blipFill>
+          <a:blip r:embed="rId2">
+            <a:extLst>
+              <a:ext uri="{28A0092B-C50C-407E-A947-70E740481C1C}">
+                <a14:useLocalDpi xmlns:a14="http://schemas.microsoft.com/office/drawing/2010/main" val="0"/>
+              </a:ext>
+            </a:extLst>
+          </a:blip>
+          <a:stretch>
+            <a:fillRect/>
+          </a:stretch>
+        </p:blipFill>
+        <p:spPr>
+          <a:xfrm>
+            <a:off x="457200" y="1703296"/>
+            <a:ext cx="4271140" cy="4572000"/>
+          </a:xfrm>
+          <a:prstGeom prst="rect">
+            <a:avLst/>
+          </a:prstGeom>
+        </p:spPr>
+      </p:pic>
+      <p:pic>
+        <p:nvPicPr>
+          <p:cNvPr id="6" name="Picture 5" descr="temperature_5700.png"/>
+          <p:cNvPicPr>
+            <a:picLocks noChangeAspect="1"/>
+          </p:cNvPicPr>
+          <p:nvPr/>
+        </p:nvPicPr>
+        <p:blipFill>
+          <a:blip r:embed="rId3">
+            <a:extLst>
+              <a:ext uri="{28A0092B-C50C-407E-A947-70E740481C1C}">
+                <a14:useLocalDpi xmlns:a14="http://schemas.microsoft.com/office/drawing/2010/main" val="0"/>
+              </a:ext>
+            </a:extLst>
+          </a:blip>
+          <a:stretch>
+            <a:fillRect/>
+          </a:stretch>
+        </p:blipFill>
+        <p:spPr>
+          <a:xfrm>
+            <a:off x="4415660" y="1703296"/>
+            <a:ext cx="4271140" cy="4572000"/>
+          </a:xfrm>
+          <a:prstGeom prst="rect">
+            <a:avLst/>
+          </a:prstGeom>
+        </p:spPr>
+      </p:pic>
     </p:spTree>
     <p:extLst>
       <p:ext uri="{BB962C8B-B14F-4D97-AF65-F5344CB8AC3E}">
@@ -13289,6 +13349,36 @@
           </a:p>
         </p:txBody>
       </p:sp>
+      <p:pic>
+        <p:nvPicPr>
+          <p:cNvPr id="5" name="Picture 4" descr="tip_velocity.png"/>
+          <p:cNvPicPr>
+            <a:picLocks noChangeAspect="1"/>
+          </p:cNvPicPr>
+          <p:nvPr/>
+        </p:nvPicPr>
+        <p:blipFill>
+          <a:blip r:embed="rId2">
+            <a:extLst>
+              <a:ext uri="{28A0092B-C50C-407E-A947-70E740481C1C}">
+                <a14:useLocalDpi xmlns:a14="http://schemas.microsoft.com/office/drawing/2010/main" val="0"/>
+              </a:ext>
+            </a:extLst>
+          </a:blip>
+          <a:stretch>
+            <a:fillRect/>
+          </a:stretch>
+        </p:blipFill>
+        <p:spPr>
+          <a:xfrm>
+            <a:off x="1135529" y="2678953"/>
+            <a:ext cx="6876804" cy="3657600"/>
+          </a:xfrm>
+          <a:prstGeom prst="rect">
+            <a:avLst/>
+          </a:prstGeom>
+        </p:spPr>
+      </p:pic>
     </p:spTree>
     <p:extLst>
       <p:ext uri="{BB962C8B-B14F-4D97-AF65-F5344CB8AC3E}">
@@ -13512,7 +13602,7 @@
             </a:r>
             <a:r>
               <a:rPr lang="en-US" sz="2600" dirty="0" smtClean="0"/>
-              <a:t>: </a:t>
+              <a:t>: 392</a:t>
             </a:r>
             <a:endParaRPr lang="en-US" sz="2600" dirty="0" smtClean="0"/>
           </a:p>
